--- a/grid-incubation/incubator/projects/i2b2DataServiceStyle/slides/Beta Demo.pptx
+++ b/grid-incubation/incubator/projects/i2b2DataServiceStyle/slides/Beta Demo.pptx
@@ -5,7 +5,7 @@
     <p:sldMasterId id="2147483648" r:id="rId1"/>
   </p:sldMasterIdLst>
   <p:notesMasterIdLst>
-    <p:notesMasterId r:id="rId15"/>
+    <p:notesMasterId r:id="rId30"/>
   </p:notesMasterIdLst>
   <p:sldIdLst>
     <p:sldId id="256" r:id="rId2"/>
@@ -21,6 +21,21 @@
     <p:sldId id="266" r:id="rId12"/>
     <p:sldId id="267" r:id="rId13"/>
     <p:sldId id="268" r:id="rId14"/>
+    <p:sldId id="269" r:id="rId15"/>
+    <p:sldId id="270" r:id="rId16"/>
+    <p:sldId id="271" r:id="rId17"/>
+    <p:sldId id="272" r:id="rId18"/>
+    <p:sldId id="273" r:id="rId19"/>
+    <p:sldId id="274" r:id="rId20"/>
+    <p:sldId id="275" r:id="rId21"/>
+    <p:sldId id="276" r:id="rId22"/>
+    <p:sldId id="277" r:id="rId23"/>
+    <p:sldId id="278" r:id="rId24"/>
+    <p:sldId id="279" r:id="rId25"/>
+    <p:sldId id="280" r:id="rId26"/>
+    <p:sldId id="281" r:id="rId27"/>
+    <p:sldId id="282" r:id="rId28"/>
+    <p:sldId id="283" r:id="rId29"/>
   </p:sldIdLst>
   <p:sldSz cx="9144000" cy="6858000" type="screen4x3"/>
   <p:notesSz cx="6858000" cy="9144000"/>
@@ -204,6 +219,7 @@
           <a:p>
             <a:fld id="{C0D40754-2154-49F1-969A-E7612107163E}" type="datetimeFigureOut">
               <a:rPr lang="en-US" smtClean="0"/>
+              <a:pPr/>
               <a:t>8/17/2009</a:t>
             </a:fld>
             <a:endParaRPr lang="en-US"/>
@@ -365,6 +381,7 @@
           <a:p>
             <a:fld id="{50F5F6BA-DB2F-44E6-9C95-6C0FBB791E85}" type="slidenum">
               <a:rPr lang="en-US" smtClean="0"/>
+              <a:pPr/>
               <a:t>‹#›</a:t>
             </a:fld>
             <a:endParaRPr lang="en-US"/>
@@ -1040,6 +1057,7 @@
           <a:p>
             <a:fld id="{B41D0191-C5CA-4D2B-9C7A-5B078FCABB95}" type="datetimeFigureOut">
               <a:rPr lang="en-US" smtClean="0"/>
+              <a:pPr/>
               <a:t>8/17/2009</a:t>
             </a:fld>
             <a:endParaRPr lang="en-US"/>
@@ -1082,6 +1100,7 @@
           <a:p>
             <a:fld id="{F9707DCF-4790-4BD2-94F2-0AA8344A0DC3}" type="slidenum">
               <a:rPr lang="en-US" smtClean="0"/>
+              <a:pPr/>
               <a:t>‹#›</a:t>
             </a:fld>
             <a:endParaRPr lang="en-US"/>
@@ -1205,6 +1224,7 @@
           <a:p>
             <a:fld id="{B41D0191-C5CA-4D2B-9C7A-5B078FCABB95}" type="datetimeFigureOut">
               <a:rPr lang="en-US" smtClean="0"/>
+              <a:pPr/>
               <a:t>8/17/2009</a:t>
             </a:fld>
             <a:endParaRPr lang="en-US"/>
@@ -1247,6 +1267,7 @@
           <a:p>
             <a:fld id="{F9707DCF-4790-4BD2-94F2-0AA8344A0DC3}" type="slidenum">
               <a:rPr lang="en-US" smtClean="0"/>
+              <a:pPr/>
               <a:t>‹#›</a:t>
             </a:fld>
             <a:endParaRPr lang="en-US"/>
@@ -1380,6 +1401,7 @@
           <a:p>
             <a:fld id="{B41D0191-C5CA-4D2B-9C7A-5B078FCABB95}" type="datetimeFigureOut">
               <a:rPr lang="en-US" smtClean="0"/>
+              <a:pPr/>
               <a:t>8/17/2009</a:t>
             </a:fld>
             <a:endParaRPr lang="en-US"/>
@@ -1422,6 +1444,7 @@
           <a:p>
             <a:fld id="{F9707DCF-4790-4BD2-94F2-0AA8344A0DC3}" type="slidenum">
               <a:rPr lang="en-US" smtClean="0"/>
+              <a:pPr/>
               <a:t>‹#›</a:t>
             </a:fld>
             <a:endParaRPr lang="en-US"/>
@@ -1545,6 +1568,7 @@
           <a:p>
             <a:fld id="{B41D0191-C5CA-4D2B-9C7A-5B078FCABB95}" type="datetimeFigureOut">
               <a:rPr lang="en-US" smtClean="0"/>
+              <a:pPr/>
               <a:t>8/17/2009</a:t>
             </a:fld>
             <a:endParaRPr lang="en-US"/>
@@ -1587,6 +1611,7 @@
           <a:p>
             <a:fld id="{F9707DCF-4790-4BD2-94F2-0AA8344A0DC3}" type="slidenum">
               <a:rPr lang="en-US" smtClean="0"/>
+              <a:pPr/>
               <a:t>‹#›</a:t>
             </a:fld>
             <a:endParaRPr lang="en-US"/>
@@ -1786,6 +1811,7 @@
           <a:p>
             <a:fld id="{B41D0191-C5CA-4D2B-9C7A-5B078FCABB95}" type="datetimeFigureOut">
               <a:rPr lang="en-US" smtClean="0"/>
+              <a:pPr/>
               <a:t>8/17/2009</a:t>
             </a:fld>
             <a:endParaRPr lang="en-US"/>
@@ -1828,6 +1854,7 @@
           <a:p>
             <a:fld id="{F9707DCF-4790-4BD2-94F2-0AA8344A0DC3}" type="slidenum">
               <a:rPr lang="en-US" smtClean="0"/>
+              <a:pPr/>
               <a:t>‹#›</a:t>
             </a:fld>
             <a:endParaRPr lang="en-US"/>
@@ -2069,6 +2096,7 @@
           <a:p>
             <a:fld id="{B41D0191-C5CA-4D2B-9C7A-5B078FCABB95}" type="datetimeFigureOut">
               <a:rPr lang="en-US" smtClean="0"/>
+              <a:pPr/>
               <a:t>8/17/2009</a:t>
             </a:fld>
             <a:endParaRPr lang="en-US"/>
@@ -2111,6 +2139,7 @@
           <a:p>
             <a:fld id="{F9707DCF-4790-4BD2-94F2-0AA8344A0DC3}" type="slidenum">
               <a:rPr lang="en-US" smtClean="0"/>
+              <a:pPr/>
               <a:t>‹#›</a:t>
             </a:fld>
             <a:endParaRPr lang="en-US"/>
@@ -2486,6 +2515,7 @@
           <a:p>
             <a:fld id="{B41D0191-C5CA-4D2B-9C7A-5B078FCABB95}" type="datetimeFigureOut">
               <a:rPr lang="en-US" smtClean="0"/>
+              <a:pPr/>
               <a:t>8/17/2009</a:t>
             </a:fld>
             <a:endParaRPr lang="en-US"/>
@@ -2528,6 +2558,7 @@
           <a:p>
             <a:fld id="{F9707DCF-4790-4BD2-94F2-0AA8344A0DC3}" type="slidenum">
               <a:rPr lang="en-US" smtClean="0"/>
+              <a:pPr/>
               <a:t>‹#›</a:t>
             </a:fld>
             <a:endParaRPr lang="en-US"/>
@@ -2599,6 +2630,7 @@
           <a:p>
             <a:fld id="{B41D0191-C5CA-4D2B-9C7A-5B078FCABB95}" type="datetimeFigureOut">
               <a:rPr lang="en-US" smtClean="0"/>
+              <a:pPr/>
               <a:t>8/17/2009</a:t>
             </a:fld>
             <a:endParaRPr lang="en-US"/>
@@ -2641,6 +2673,7 @@
           <a:p>
             <a:fld id="{F9707DCF-4790-4BD2-94F2-0AA8344A0DC3}" type="slidenum">
               <a:rPr lang="en-US" smtClean="0"/>
+              <a:pPr/>
               <a:t>‹#›</a:t>
             </a:fld>
             <a:endParaRPr lang="en-US"/>
@@ -2689,6 +2722,7 @@
           <a:p>
             <a:fld id="{B41D0191-C5CA-4D2B-9C7A-5B078FCABB95}" type="datetimeFigureOut">
               <a:rPr lang="en-US" smtClean="0"/>
+              <a:pPr/>
               <a:t>8/17/2009</a:t>
             </a:fld>
             <a:endParaRPr lang="en-US"/>
@@ -2731,6 +2765,7 @@
           <a:p>
             <a:fld id="{F9707DCF-4790-4BD2-94F2-0AA8344A0DC3}" type="slidenum">
               <a:rPr lang="en-US" smtClean="0"/>
+              <a:pPr/>
               <a:t>‹#›</a:t>
             </a:fld>
             <a:endParaRPr lang="en-US"/>
@@ -2961,6 +2996,7 @@
           <a:p>
             <a:fld id="{B41D0191-C5CA-4D2B-9C7A-5B078FCABB95}" type="datetimeFigureOut">
               <a:rPr lang="en-US" smtClean="0"/>
+              <a:pPr/>
               <a:t>8/17/2009</a:t>
             </a:fld>
             <a:endParaRPr lang="en-US"/>
@@ -3003,6 +3039,7 @@
           <a:p>
             <a:fld id="{F9707DCF-4790-4BD2-94F2-0AA8344A0DC3}" type="slidenum">
               <a:rPr lang="en-US" smtClean="0"/>
+              <a:pPr/>
               <a:t>‹#›</a:t>
             </a:fld>
             <a:endParaRPr lang="en-US"/>
@@ -3209,6 +3246,7 @@
           <a:p>
             <a:fld id="{B41D0191-C5CA-4D2B-9C7A-5B078FCABB95}" type="datetimeFigureOut">
               <a:rPr lang="en-US" smtClean="0"/>
+              <a:pPr/>
               <a:t>8/17/2009</a:t>
             </a:fld>
             <a:endParaRPr lang="en-US"/>
@@ -3251,6 +3289,7 @@
           <a:p>
             <a:fld id="{F9707DCF-4790-4BD2-94F2-0AA8344A0DC3}" type="slidenum">
               <a:rPr lang="en-US" smtClean="0"/>
+              <a:pPr/>
               <a:t>‹#›</a:t>
             </a:fld>
             <a:endParaRPr lang="en-US"/>
@@ -3417,6 +3456,7 @@
           <a:p>
             <a:fld id="{B41D0191-C5CA-4D2B-9C7A-5B078FCABB95}" type="datetimeFigureOut">
               <a:rPr lang="en-US" smtClean="0"/>
+              <a:pPr/>
               <a:t>8/17/2009</a:t>
             </a:fld>
             <a:endParaRPr lang="en-US"/>
@@ -3495,6 +3535,7 @@
           <a:p>
             <a:fld id="{F9707DCF-4790-4BD2-94F2-0AA8344A0DC3}" type="slidenum">
               <a:rPr lang="en-US" smtClean="0"/>
+              <a:pPr/>
               <a:t>‹#›</a:t>
             </a:fld>
             <a:endParaRPr lang="en-US"/>
@@ -4281,6 +4322,430 @@
 </p:sld>
 </file>
 
+<file path=ppt/slides/slide14.xml><?xml version="1.0" encoding="utf-8"?>
+<p:sld xmlns:a="http://schemas.openxmlformats.org/drawingml/2006/main" xmlns:r="http://schemas.openxmlformats.org/officeDocument/2006/relationships" xmlns:p="http://schemas.openxmlformats.org/presentationml/2006/main">
+  <p:cSld>
+    <p:spTree>
+      <p:nvGrpSpPr>
+        <p:cNvPr id="1" name=""/>
+        <p:cNvGrpSpPr/>
+        <p:nvPr/>
+      </p:nvGrpSpPr>
+      <p:grpSpPr>
+        <a:xfrm>
+          <a:off x="0" y="0"/>
+          <a:ext cx="0" cy="0"/>
+          <a:chOff x="0" y="0"/>
+          <a:chExt cx="0" cy="0"/>
+        </a:xfrm>
+      </p:grpSpPr>
+      <p:sp>
+        <p:nvSpPr>
+          <p:cNvPr id="2" name="Title 1"/>
+          <p:cNvSpPr>
+            <a:spLocks noGrp="1"/>
+          </p:cNvSpPr>
+          <p:nvPr>
+            <p:ph type="title"/>
+          </p:nvPr>
+        </p:nvSpPr>
+        <p:spPr/>
+        <p:txBody>
+          <a:bodyPr/>
+          <a:lstStyle/>
+          <a:p>
+            <a:r>
+              <a:rPr lang="en-US" dirty="0" smtClean="0"/>
+              <a:t>Backup Slides</a:t>
+            </a:r>
+            <a:endParaRPr lang="en-US" dirty="0"/>
+          </a:p>
+        </p:txBody>
+      </p:sp>
+      <p:sp>
+        <p:nvSpPr>
+          <p:cNvPr id="3" name="Content Placeholder 2"/>
+          <p:cNvSpPr>
+            <a:spLocks noGrp="1"/>
+          </p:cNvSpPr>
+          <p:nvPr>
+            <p:ph idx="1"/>
+          </p:nvPr>
+        </p:nvSpPr>
+        <p:spPr/>
+        <p:txBody>
+          <a:bodyPr/>
+          <a:lstStyle/>
+          <a:p>
+            <a:endParaRPr lang="en-US" dirty="0"/>
+          </a:p>
+        </p:txBody>
+      </p:sp>
+    </p:spTree>
+  </p:cSld>
+  <p:clrMapOvr>
+    <a:masterClrMapping/>
+  </p:clrMapOvr>
+</p:sld>
+</file>
+
+<file path=ppt/slides/slide15.xml><?xml version="1.0" encoding="utf-8"?>
+<p:sld xmlns:a="http://schemas.openxmlformats.org/drawingml/2006/main" xmlns:r="http://schemas.openxmlformats.org/officeDocument/2006/relationships" xmlns:p="http://schemas.openxmlformats.org/presentationml/2006/main">
+  <p:cSld>
+    <p:spTree>
+      <p:nvGrpSpPr>
+        <p:cNvPr id="1" name=""/>
+        <p:cNvGrpSpPr/>
+        <p:nvPr/>
+      </p:nvGrpSpPr>
+      <p:grpSpPr>
+        <a:xfrm>
+          <a:off x="0" y="0"/>
+          <a:ext cx="0" cy="0"/>
+          <a:chOff x="0" y="0"/>
+          <a:chExt cx="0" cy="0"/>
+        </a:xfrm>
+      </p:grpSpPr>
+      <p:sp>
+        <p:nvSpPr>
+          <p:cNvPr id="2" name="Title 1"/>
+          <p:cNvSpPr>
+            <a:spLocks noGrp="1"/>
+          </p:cNvSpPr>
+          <p:nvPr>
+            <p:ph type="title"/>
+          </p:nvPr>
+        </p:nvSpPr>
+        <p:spPr/>
+        <p:txBody>
+          <a:bodyPr/>
+          <a:lstStyle/>
+          <a:p>
+            <a:r>
+              <a:rPr lang="en-US" dirty="0" smtClean="0"/>
+              <a:t>Creating Data Service</a:t>
+            </a:r>
+            <a:endParaRPr lang="en-US" dirty="0"/>
+          </a:p>
+        </p:txBody>
+      </p:sp>
+      <p:pic>
+        <p:nvPicPr>
+          <p:cNvPr id="4" name="Content Placeholder 3" descr="Create.png"/>
+          <p:cNvPicPr>
+            <a:picLocks noGrp="1" noChangeAspect="1"/>
+          </p:cNvPicPr>
+          <p:nvPr>
+            <p:ph idx="1"/>
+          </p:nvPr>
+        </p:nvPicPr>
+        <p:blipFill>
+          <a:blip r:embed="rId2" cstate="print"/>
+          <a:stretch>
+            <a:fillRect/>
+          </a:stretch>
+        </p:blipFill>
+        <p:spPr>
+          <a:xfrm>
+            <a:off x="1786433" y="1600200"/>
+            <a:ext cx="5571134" cy="4525963"/>
+          </a:xfrm>
+        </p:spPr>
+      </p:pic>
+    </p:spTree>
+  </p:cSld>
+  <p:clrMapOvr>
+    <a:masterClrMapping/>
+  </p:clrMapOvr>
+</p:sld>
+</file>
+
+<file path=ppt/slides/slide16.xml><?xml version="1.0" encoding="utf-8"?>
+<p:sld xmlns:a="http://schemas.openxmlformats.org/drawingml/2006/main" xmlns:r="http://schemas.openxmlformats.org/officeDocument/2006/relationships" xmlns:p="http://schemas.openxmlformats.org/presentationml/2006/main">
+  <p:cSld>
+    <p:spTree>
+      <p:nvGrpSpPr>
+        <p:cNvPr id="1" name=""/>
+        <p:cNvGrpSpPr/>
+        <p:nvPr/>
+      </p:nvGrpSpPr>
+      <p:grpSpPr>
+        <a:xfrm>
+          <a:off x="0" y="0"/>
+          <a:ext cx="0" cy="0"/>
+          <a:chOff x="0" y="0"/>
+          <a:chExt cx="0" cy="0"/>
+        </a:xfrm>
+      </p:grpSpPr>
+      <p:sp>
+        <p:nvSpPr>
+          <p:cNvPr id="2" name="Title 1"/>
+          <p:cNvSpPr>
+            <a:spLocks noGrp="1"/>
+          </p:cNvSpPr>
+          <p:nvPr>
+            <p:ph type="title"/>
+          </p:nvPr>
+        </p:nvSpPr>
+        <p:spPr/>
+        <p:txBody>
+          <a:bodyPr/>
+          <a:lstStyle/>
+          <a:p>
+            <a:r>
+              <a:rPr lang="en-US" dirty="0" smtClean="0"/>
+              <a:t>Data Service Style</a:t>
+            </a:r>
+            <a:endParaRPr lang="en-US" dirty="0"/>
+          </a:p>
+        </p:txBody>
+      </p:sp>
+      <p:pic>
+        <p:nvPicPr>
+          <p:cNvPr id="4" name="Content Placeholder 3" descr="Style.png"/>
+          <p:cNvPicPr>
+            <a:picLocks noGrp="1" noChangeAspect="1"/>
+          </p:cNvPicPr>
+          <p:nvPr>
+            <p:ph idx="1"/>
+          </p:nvPr>
+        </p:nvPicPr>
+        <p:blipFill>
+          <a:blip r:embed="rId2" cstate="print"/>
+          <a:stretch>
+            <a:fillRect/>
+          </a:stretch>
+        </p:blipFill>
+        <p:spPr>
+          <a:xfrm>
+            <a:off x="2190750" y="2434431"/>
+            <a:ext cx="4762500" cy="2857500"/>
+          </a:xfrm>
+        </p:spPr>
+      </p:pic>
+    </p:spTree>
+  </p:cSld>
+  <p:clrMapOvr>
+    <a:masterClrMapping/>
+  </p:clrMapOvr>
+</p:sld>
+</file>
+
+<file path=ppt/slides/slide17.xml><?xml version="1.0" encoding="utf-8"?>
+<p:sld xmlns:a="http://schemas.openxmlformats.org/drawingml/2006/main" xmlns:r="http://schemas.openxmlformats.org/officeDocument/2006/relationships" xmlns:p="http://schemas.openxmlformats.org/presentationml/2006/main">
+  <p:cSld>
+    <p:spTree>
+      <p:nvGrpSpPr>
+        <p:cNvPr id="1" name=""/>
+        <p:cNvGrpSpPr/>
+        <p:nvPr/>
+      </p:nvGrpSpPr>
+      <p:grpSpPr>
+        <a:xfrm>
+          <a:off x="0" y="0"/>
+          <a:ext cx="0" cy="0"/>
+          <a:chOff x="0" y="0"/>
+          <a:chExt cx="0" cy="0"/>
+        </a:xfrm>
+      </p:grpSpPr>
+      <p:sp>
+        <p:nvSpPr>
+          <p:cNvPr id="2" name="Title 1"/>
+          <p:cNvSpPr>
+            <a:spLocks noGrp="1"/>
+          </p:cNvSpPr>
+          <p:nvPr>
+            <p:ph type="title"/>
+          </p:nvPr>
+        </p:nvSpPr>
+        <p:spPr/>
+        <p:txBody>
+          <a:bodyPr>
+            <a:normAutofit/>
+          </a:bodyPr>
+          <a:lstStyle/>
+          <a:p>
+            <a:r>
+              <a:rPr lang="en-US" dirty="0" smtClean="0"/>
+              <a:t>Wizard</a:t>
+            </a:r>
+            <a:endParaRPr lang="en-US" dirty="0"/>
+          </a:p>
+        </p:txBody>
+      </p:sp>
+      <p:pic>
+        <p:nvPicPr>
+          <p:cNvPr id="4" name="Content Placeholder 3" descr="Wizard 1.png"/>
+          <p:cNvPicPr>
+            <a:picLocks noGrp="1" noChangeAspect="1"/>
+          </p:cNvPicPr>
+          <p:nvPr>
+            <p:ph idx="1"/>
+          </p:nvPr>
+        </p:nvPicPr>
+        <p:blipFill>
+          <a:blip r:embed="rId2" cstate="print"/>
+          <a:stretch>
+            <a:fillRect/>
+          </a:stretch>
+        </p:blipFill>
+        <p:spPr>
+          <a:xfrm>
+            <a:off x="1535714" y="1600200"/>
+            <a:ext cx="6072571" cy="4525963"/>
+          </a:xfrm>
+        </p:spPr>
+      </p:pic>
+    </p:spTree>
+  </p:cSld>
+  <p:clrMapOvr>
+    <a:masterClrMapping/>
+  </p:clrMapOvr>
+</p:sld>
+</file>
+
+<file path=ppt/slides/slide18.xml><?xml version="1.0" encoding="utf-8"?>
+<p:sld xmlns:a="http://schemas.openxmlformats.org/drawingml/2006/main" xmlns:r="http://schemas.openxmlformats.org/officeDocument/2006/relationships" xmlns:p="http://schemas.openxmlformats.org/presentationml/2006/main">
+  <p:cSld>
+    <p:spTree>
+      <p:nvGrpSpPr>
+        <p:cNvPr id="1" name=""/>
+        <p:cNvGrpSpPr/>
+        <p:nvPr/>
+      </p:nvGrpSpPr>
+      <p:grpSpPr>
+        <a:xfrm>
+          <a:off x="0" y="0"/>
+          <a:ext cx="0" cy="0"/>
+          <a:chOff x="0" y="0"/>
+          <a:chExt cx="0" cy="0"/>
+        </a:xfrm>
+      </p:grpSpPr>
+      <p:sp>
+        <p:nvSpPr>
+          <p:cNvPr id="2" name="Title 1"/>
+          <p:cNvSpPr>
+            <a:spLocks noGrp="1"/>
+          </p:cNvSpPr>
+          <p:nvPr>
+            <p:ph type="title"/>
+          </p:nvPr>
+        </p:nvSpPr>
+        <p:spPr/>
+        <p:txBody>
+          <a:bodyPr/>
+          <a:lstStyle/>
+          <a:p>
+            <a:r>
+              <a:rPr lang="en-US" dirty="0" smtClean="0"/>
+              <a:t>Wizard</a:t>
+            </a:r>
+            <a:endParaRPr lang="en-US" dirty="0"/>
+          </a:p>
+        </p:txBody>
+      </p:sp>
+      <p:pic>
+        <p:nvPicPr>
+          <p:cNvPr id="4" name="Content Placeholder 3" descr="Wizard 2.png"/>
+          <p:cNvPicPr>
+            <a:picLocks noGrp="1" noChangeAspect="1"/>
+          </p:cNvPicPr>
+          <p:nvPr>
+            <p:ph idx="1"/>
+          </p:nvPr>
+        </p:nvPicPr>
+        <p:blipFill>
+          <a:blip r:embed="rId2" cstate="print"/>
+          <a:stretch>
+            <a:fillRect/>
+          </a:stretch>
+        </p:blipFill>
+        <p:spPr>
+          <a:xfrm>
+            <a:off x="1535714" y="1600200"/>
+            <a:ext cx="6072571" cy="4525963"/>
+          </a:xfrm>
+        </p:spPr>
+      </p:pic>
+    </p:spTree>
+  </p:cSld>
+  <p:clrMapOvr>
+    <a:masterClrMapping/>
+  </p:clrMapOvr>
+</p:sld>
+</file>
+
+<file path=ppt/slides/slide19.xml><?xml version="1.0" encoding="utf-8"?>
+<p:sld xmlns:a="http://schemas.openxmlformats.org/drawingml/2006/main" xmlns:r="http://schemas.openxmlformats.org/officeDocument/2006/relationships" xmlns:p="http://schemas.openxmlformats.org/presentationml/2006/main">
+  <p:cSld>
+    <p:spTree>
+      <p:nvGrpSpPr>
+        <p:cNvPr id="1" name=""/>
+        <p:cNvGrpSpPr/>
+        <p:nvPr/>
+      </p:nvGrpSpPr>
+      <p:grpSpPr>
+        <a:xfrm>
+          <a:off x="0" y="0"/>
+          <a:ext cx="0" cy="0"/>
+          <a:chOff x="0" y="0"/>
+          <a:chExt cx="0" cy="0"/>
+        </a:xfrm>
+      </p:grpSpPr>
+      <p:sp>
+        <p:nvSpPr>
+          <p:cNvPr id="2" name="Title 1"/>
+          <p:cNvSpPr>
+            <a:spLocks noGrp="1"/>
+          </p:cNvSpPr>
+          <p:nvPr>
+            <p:ph type="title"/>
+          </p:nvPr>
+        </p:nvSpPr>
+        <p:spPr/>
+        <p:txBody>
+          <a:bodyPr/>
+          <a:lstStyle/>
+          <a:p>
+            <a:r>
+              <a:rPr lang="en-US" dirty="0" smtClean="0"/>
+              <a:t>Wizard</a:t>
+            </a:r>
+            <a:endParaRPr lang="en-US" dirty="0"/>
+          </a:p>
+        </p:txBody>
+      </p:sp>
+      <p:pic>
+        <p:nvPicPr>
+          <p:cNvPr id="4" name="Content Placeholder 3" descr="Wizard 3.png"/>
+          <p:cNvPicPr>
+            <a:picLocks noGrp="1" noChangeAspect="1"/>
+          </p:cNvPicPr>
+          <p:nvPr>
+            <p:ph idx="1"/>
+          </p:nvPr>
+        </p:nvPicPr>
+        <p:blipFill>
+          <a:blip r:embed="rId2" cstate="print"/>
+          <a:stretch>
+            <a:fillRect/>
+          </a:stretch>
+        </p:blipFill>
+        <p:spPr>
+          <a:xfrm>
+            <a:off x="1535714" y="1600200"/>
+            <a:ext cx="6072571" cy="4525963"/>
+          </a:xfrm>
+        </p:spPr>
+      </p:pic>
+    </p:spTree>
+  </p:cSld>
+  <p:clrMapOvr>
+    <a:masterClrMapping/>
+  </p:clrMapOvr>
+</p:sld>
+</file>
+
 <file path=ppt/slides/slide2.xml><?xml version="1.0" encoding="utf-8"?>
 <p:sld xmlns:a="http://schemas.openxmlformats.org/drawingml/2006/main" xmlns:r="http://schemas.openxmlformats.org/officeDocument/2006/relationships" xmlns:p="http://schemas.openxmlformats.org/presentationml/2006/main">
   <p:cSld>
@@ -4369,31 +4834,7 @@
             </a:r>
             <a:r>
               <a:rPr lang="en-US" sz="2400" dirty="0" smtClean="0"/>
-              <a:t> tool </a:t>
-            </a:r>
-            <a:r>
-              <a:rPr lang="en-US" sz="2400" dirty="0" smtClean="0"/>
-              <a:t>bridges </a:t>
-            </a:r>
-            <a:r>
-              <a:rPr lang="en-US" sz="2400" dirty="0" smtClean="0"/>
-              <a:t>this data to the semantically annotated </a:t>
-            </a:r>
-            <a:r>
-              <a:rPr lang="en-US" sz="2400" dirty="0" smtClean="0"/>
-              <a:t>and </a:t>
-            </a:r>
-            <a:r>
-              <a:rPr lang="en-US" sz="2400" dirty="0" smtClean="0"/>
-              <a:t>object oriented </a:t>
-            </a:r>
-            <a:r>
-              <a:rPr lang="en-US" sz="2400" dirty="0" smtClean="0"/>
-              <a:t>world </a:t>
-            </a:r>
-            <a:r>
-              <a:rPr lang="en-US" sz="2400" dirty="0" smtClean="0"/>
-              <a:t>of </a:t>
+              <a:t> tool bridges this data to the semantically annotated and object oriented world of </a:t>
             </a:r>
             <a:r>
               <a:rPr lang="en-US" sz="2400" dirty="0" err="1" smtClean="0"/>
@@ -4454,6 +4895,645 @@
           </a:p>
         </p:txBody>
       </p:sp>
+    </p:spTree>
+  </p:cSld>
+  <p:clrMapOvr>
+    <a:masterClrMapping/>
+  </p:clrMapOvr>
+</p:sld>
+</file>
+
+<file path=ppt/slides/slide20.xml><?xml version="1.0" encoding="utf-8"?>
+<p:sld xmlns:a="http://schemas.openxmlformats.org/drawingml/2006/main" xmlns:r="http://schemas.openxmlformats.org/officeDocument/2006/relationships" xmlns:p="http://schemas.openxmlformats.org/presentationml/2006/main">
+  <p:cSld>
+    <p:spTree>
+      <p:nvGrpSpPr>
+        <p:cNvPr id="1" name=""/>
+        <p:cNvGrpSpPr/>
+        <p:nvPr/>
+      </p:nvGrpSpPr>
+      <p:grpSpPr>
+        <a:xfrm>
+          <a:off x="0" y="0"/>
+          <a:ext cx="0" cy="0"/>
+          <a:chOff x="0" y="0"/>
+          <a:chExt cx="0" cy="0"/>
+        </a:xfrm>
+      </p:grpSpPr>
+      <p:sp>
+        <p:nvSpPr>
+          <p:cNvPr id="2" name="Title 1"/>
+          <p:cNvSpPr>
+            <a:spLocks noGrp="1"/>
+          </p:cNvSpPr>
+          <p:nvPr>
+            <p:ph type="title"/>
+          </p:nvPr>
+        </p:nvSpPr>
+        <p:spPr/>
+        <p:txBody>
+          <a:bodyPr/>
+          <a:lstStyle/>
+          <a:p>
+            <a:r>
+              <a:rPr lang="en-US" dirty="0" smtClean="0"/>
+              <a:t>Wizard</a:t>
+            </a:r>
+            <a:endParaRPr lang="en-US" dirty="0"/>
+          </a:p>
+        </p:txBody>
+      </p:sp>
+      <p:pic>
+        <p:nvPicPr>
+          <p:cNvPr id="4" name="Content Placeholder 3" descr="Wizard 4.png"/>
+          <p:cNvPicPr>
+            <a:picLocks noGrp="1" noChangeAspect="1"/>
+          </p:cNvPicPr>
+          <p:nvPr>
+            <p:ph idx="1"/>
+          </p:nvPr>
+        </p:nvPicPr>
+        <p:blipFill>
+          <a:blip r:embed="rId2" cstate="print"/>
+          <a:stretch>
+            <a:fillRect/>
+          </a:stretch>
+        </p:blipFill>
+        <p:spPr>
+          <a:xfrm>
+            <a:off x="1535714" y="1600200"/>
+            <a:ext cx="6072571" cy="4525963"/>
+          </a:xfrm>
+        </p:spPr>
+      </p:pic>
+    </p:spTree>
+  </p:cSld>
+  <p:clrMapOvr>
+    <a:masterClrMapping/>
+  </p:clrMapOvr>
+</p:sld>
+</file>
+
+<file path=ppt/slides/slide21.xml><?xml version="1.0" encoding="utf-8"?>
+<p:sld xmlns:a="http://schemas.openxmlformats.org/drawingml/2006/main" xmlns:r="http://schemas.openxmlformats.org/officeDocument/2006/relationships" xmlns:p="http://schemas.openxmlformats.org/presentationml/2006/main">
+  <p:cSld>
+    <p:spTree>
+      <p:nvGrpSpPr>
+        <p:cNvPr id="1" name=""/>
+        <p:cNvGrpSpPr/>
+        <p:nvPr/>
+      </p:nvGrpSpPr>
+      <p:grpSpPr>
+        <a:xfrm>
+          <a:off x="0" y="0"/>
+          <a:ext cx="0" cy="0"/>
+          <a:chOff x="0" y="0"/>
+          <a:chExt cx="0" cy="0"/>
+        </a:xfrm>
+      </p:grpSpPr>
+      <p:sp>
+        <p:nvSpPr>
+          <p:cNvPr id="2" name="Title 1"/>
+          <p:cNvSpPr>
+            <a:spLocks noGrp="1"/>
+          </p:cNvSpPr>
+          <p:nvPr>
+            <p:ph type="title"/>
+          </p:nvPr>
+        </p:nvSpPr>
+        <p:spPr/>
+        <p:txBody>
+          <a:bodyPr/>
+          <a:lstStyle/>
+          <a:p>
+            <a:r>
+              <a:rPr lang="en-US" dirty="0" smtClean="0"/>
+              <a:t>Wizard</a:t>
+            </a:r>
+            <a:endParaRPr lang="en-US" dirty="0"/>
+          </a:p>
+        </p:txBody>
+      </p:sp>
+      <p:pic>
+        <p:nvPicPr>
+          <p:cNvPr id="4" name="Content Placeholder 3" descr="Wizard 5 a.png"/>
+          <p:cNvPicPr>
+            <a:picLocks noGrp="1" noChangeAspect="1"/>
+          </p:cNvPicPr>
+          <p:nvPr>
+            <p:ph idx="1"/>
+          </p:nvPr>
+        </p:nvPicPr>
+        <p:blipFill>
+          <a:blip r:embed="rId2" cstate="print"/>
+          <a:stretch>
+            <a:fillRect/>
+          </a:stretch>
+        </p:blipFill>
+        <p:spPr>
+          <a:xfrm>
+            <a:off x="1856422" y="1600200"/>
+            <a:ext cx="5431156" cy="4525963"/>
+          </a:xfrm>
+        </p:spPr>
+      </p:pic>
+    </p:spTree>
+  </p:cSld>
+  <p:clrMapOvr>
+    <a:masterClrMapping/>
+  </p:clrMapOvr>
+</p:sld>
+</file>
+
+<file path=ppt/slides/slide22.xml><?xml version="1.0" encoding="utf-8"?>
+<p:sld xmlns:a="http://schemas.openxmlformats.org/drawingml/2006/main" xmlns:r="http://schemas.openxmlformats.org/officeDocument/2006/relationships" xmlns:p="http://schemas.openxmlformats.org/presentationml/2006/main">
+  <p:cSld>
+    <p:spTree>
+      <p:nvGrpSpPr>
+        <p:cNvPr id="1" name=""/>
+        <p:cNvGrpSpPr/>
+        <p:nvPr/>
+      </p:nvGrpSpPr>
+      <p:grpSpPr>
+        <a:xfrm>
+          <a:off x="0" y="0"/>
+          <a:ext cx="0" cy="0"/>
+          <a:chOff x="0" y="0"/>
+          <a:chExt cx="0" cy="0"/>
+        </a:xfrm>
+      </p:grpSpPr>
+      <p:sp>
+        <p:nvSpPr>
+          <p:cNvPr id="2" name="Title 1"/>
+          <p:cNvSpPr>
+            <a:spLocks noGrp="1"/>
+          </p:cNvSpPr>
+          <p:nvPr>
+            <p:ph type="title"/>
+          </p:nvPr>
+        </p:nvSpPr>
+        <p:spPr/>
+        <p:txBody>
+          <a:bodyPr/>
+          <a:lstStyle/>
+          <a:p>
+            <a:r>
+              <a:rPr lang="en-US" dirty="0" smtClean="0"/>
+              <a:t>Wizard</a:t>
+            </a:r>
+            <a:endParaRPr lang="en-US" dirty="0"/>
+          </a:p>
+        </p:txBody>
+      </p:sp>
+      <p:pic>
+        <p:nvPicPr>
+          <p:cNvPr id="4" name="Content Placeholder 3" descr="Wizard 5.png"/>
+          <p:cNvPicPr>
+            <a:picLocks noGrp="1" noChangeAspect="1"/>
+          </p:cNvPicPr>
+          <p:nvPr>
+            <p:ph idx="1"/>
+          </p:nvPr>
+        </p:nvPicPr>
+        <p:blipFill>
+          <a:blip r:embed="rId2" cstate="print"/>
+          <a:stretch>
+            <a:fillRect/>
+          </a:stretch>
+        </p:blipFill>
+        <p:spPr>
+          <a:xfrm>
+            <a:off x="1535714" y="1600200"/>
+            <a:ext cx="6072571" cy="4525963"/>
+          </a:xfrm>
+        </p:spPr>
+      </p:pic>
+    </p:spTree>
+  </p:cSld>
+  <p:clrMapOvr>
+    <a:masterClrMapping/>
+  </p:clrMapOvr>
+</p:sld>
+</file>
+
+<file path=ppt/slides/slide23.xml><?xml version="1.0" encoding="utf-8"?>
+<p:sld xmlns:a="http://schemas.openxmlformats.org/drawingml/2006/main" xmlns:r="http://schemas.openxmlformats.org/officeDocument/2006/relationships" xmlns:p="http://schemas.openxmlformats.org/presentationml/2006/main">
+  <p:cSld>
+    <p:spTree>
+      <p:nvGrpSpPr>
+        <p:cNvPr id="1" name=""/>
+        <p:cNvGrpSpPr/>
+        <p:nvPr/>
+      </p:nvGrpSpPr>
+      <p:grpSpPr>
+        <a:xfrm>
+          <a:off x="0" y="0"/>
+          <a:ext cx="0" cy="0"/>
+          <a:chOff x="0" y="0"/>
+          <a:chExt cx="0" cy="0"/>
+        </a:xfrm>
+      </p:grpSpPr>
+      <p:sp>
+        <p:nvSpPr>
+          <p:cNvPr id="2" name="Title 1"/>
+          <p:cNvSpPr>
+            <a:spLocks noGrp="1"/>
+          </p:cNvSpPr>
+          <p:nvPr>
+            <p:ph type="title"/>
+          </p:nvPr>
+        </p:nvSpPr>
+        <p:spPr/>
+        <p:txBody>
+          <a:bodyPr/>
+          <a:lstStyle/>
+          <a:p>
+            <a:r>
+              <a:rPr lang="en-US" dirty="0" smtClean="0"/>
+              <a:t>Types</a:t>
+            </a:r>
+            <a:endParaRPr lang="en-US" dirty="0"/>
+          </a:p>
+        </p:txBody>
+      </p:sp>
+      <p:pic>
+        <p:nvPicPr>
+          <p:cNvPr id="4" name="Content Placeholder 3" descr="Types.png"/>
+          <p:cNvPicPr>
+            <a:picLocks noGrp="1" noChangeAspect="1"/>
+          </p:cNvPicPr>
+          <p:nvPr>
+            <p:ph idx="1"/>
+          </p:nvPr>
+        </p:nvPicPr>
+        <p:blipFill>
+          <a:blip r:embed="rId2" cstate="print"/>
+          <a:stretch>
+            <a:fillRect/>
+          </a:stretch>
+        </p:blipFill>
+        <p:spPr>
+          <a:xfrm>
+            <a:off x="1554691" y="1600200"/>
+            <a:ext cx="6034617" cy="4525963"/>
+          </a:xfrm>
+        </p:spPr>
+      </p:pic>
+    </p:spTree>
+  </p:cSld>
+  <p:clrMapOvr>
+    <a:masterClrMapping/>
+  </p:clrMapOvr>
+</p:sld>
+</file>
+
+<file path=ppt/slides/slide24.xml><?xml version="1.0" encoding="utf-8"?>
+<p:sld xmlns:a="http://schemas.openxmlformats.org/drawingml/2006/main" xmlns:r="http://schemas.openxmlformats.org/officeDocument/2006/relationships" xmlns:p="http://schemas.openxmlformats.org/presentationml/2006/main">
+  <p:cSld>
+    <p:spTree>
+      <p:nvGrpSpPr>
+        <p:cNvPr id="1" name=""/>
+        <p:cNvGrpSpPr/>
+        <p:nvPr/>
+      </p:nvGrpSpPr>
+      <p:grpSpPr>
+        <a:xfrm>
+          <a:off x="0" y="0"/>
+          <a:ext cx="0" cy="0"/>
+          <a:chOff x="0" y="0"/>
+          <a:chExt cx="0" cy="0"/>
+        </a:xfrm>
+      </p:grpSpPr>
+      <p:sp>
+        <p:nvSpPr>
+          <p:cNvPr id="2" name="Title 1"/>
+          <p:cNvSpPr>
+            <a:spLocks noGrp="1"/>
+          </p:cNvSpPr>
+          <p:nvPr>
+            <p:ph type="title"/>
+          </p:nvPr>
+        </p:nvSpPr>
+        <p:spPr/>
+        <p:txBody>
+          <a:bodyPr/>
+          <a:lstStyle/>
+          <a:p>
+            <a:r>
+              <a:rPr lang="en-US" dirty="0" smtClean="0"/>
+              <a:t>Operations</a:t>
+            </a:r>
+            <a:endParaRPr lang="en-US" dirty="0"/>
+          </a:p>
+        </p:txBody>
+      </p:sp>
+      <p:pic>
+        <p:nvPicPr>
+          <p:cNvPr id="4" name="Content Placeholder 3" descr="Operations.png"/>
+          <p:cNvPicPr>
+            <a:picLocks noGrp="1" noChangeAspect="1"/>
+          </p:cNvPicPr>
+          <p:nvPr>
+            <p:ph idx="1"/>
+          </p:nvPr>
+        </p:nvPicPr>
+        <p:blipFill>
+          <a:blip r:embed="rId2" cstate="print"/>
+          <a:stretch>
+            <a:fillRect/>
+          </a:stretch>
+        </p:blipFill>
+        <p:spPr>
+          <a:xfrm>
+            <a:off x="1554691" y="1600200"/>
+            <a:ext cx="6034617" cy="4525963"/>
+          </a:xfrm>
+        </p:spPr>
+      </p:pic>
+    </p:spTree>
+  </p:cSld>
+  <p:clrMapOvr>
+    <a:masterClrMapping/>
+  </p:clrMapOvr>
+</p:sld>
+</file>
+
+<file path=ppt/slides/slide25.xml><?xml version="1.0" encoding="utf-8"?>
+<p:sld xmlns:a="http://schemas.openxmlformats.org/drawingml/2006/main" xmlns:r="http://schemas.openxmlformats.org/officeDocument/2006/relationships" xmlns:p="http://schemas.openxmlformats.org/presentationml/2006/main">
+  <p:cSld>
+    <p:spTree>
+      <p:nvGrpSpPr>
+        <p:cNvPr id="1" name=""/>
+        <p:cNvGrpSpPr/>
+        <p:nvPr/>
+      </p:nvGrpSpPr>
+      <p:grpSpPr>
+        <a:xfrm>
+          <a:off x="0" y="0"/>
+          <a:ext cx="0" cy="0"/>
+          <a:chOff x="0" y="0"/>
+          <a:chExt cx="0" cy="0"/>
+        </a:xfrm>
+      </p:grpSpPr>
+      <p:sp>
+        <p:nvSpPr>
+          <p:cNvPr id="2" name="Title 1"/>
+          <p:cNvSpPr>
+            <a:spLocks noGrp="1"/>
+          </p:cNvSpPr>
+          <p:nvPr>
+            <p:ph type="title"/>
+          </p:nvPr>
+        </p:nvSpPr>
+        <p:spPr/>
+        <p:txBody>
+          <a:bodyPr/>
+          <a:lstStyle/>
+          <a:p>
+            <a:r>
+              <a:rPr lang="en-US" dirty="0" smtClean="0"/>
+              <a:t>Query Processor</a:t>
+            </a:r>
+            <a:endParaRPr lang="en-US" dirty="0"/>
+          </a:p>
+        </p:txBody>
+      </p:sp>
+      <p:pic>
+        <p:nvPicPr>
+          <p:cNvPr id="4" name="Content Placeholder 3" descr="Query Processor.png"/>
+          <p:cNvPicPr>
+            <a:picLocks noGrp="1" noChangeAspect="1"/>
+          </p:cNvPicPr>
+          <p:nvPr>
+            <p:ph idx="1"/>
+          </p:nvPr>
+        </p:nvPicPr>
+        <p:blipFill>
+          <a:blip r:embed="rId2" cstate="print"/>
+          <a:stretch>
+            <a:fillRect/>
+          </a:stretch>
+        </p:blipFill>
+        <p:spPr>
+          <a:xfrm>
+            <a:off x="1554691" y="1600200"/>
+            <a:ext cx="6034617" cy="4525963"/>
+          </a:xfrm>
+        </p:spPr>
+      </p:pic>
+    </p:spTree>
+  </p:cSld>
+  <p:clrMapOvr>
+    <a:masterClrMapping/>
+  </p:clrMapOvr>
+</p:sld>
+</file>
+
+<file path=ppt/slides/slide26.xml><?xml version="1.0" encoding="utf-8"?>
+<p:sld xmlns:a="http://schemas.openxmlformats.org/drawingml/2006/main" xmlns:r="http://schemas.openxmlformats.org/officeDocument/2006/relationships" xmlns:p="http://schemas.openxmlformats.org/presentationml/2006/main">
+  <p:cSld>
+    <p:spTree>
+      <p:nvGrpSpPr>
+        <p:cNvPr id="1" name=""/>
+        <p:cNvGrpSpPr/>
+        <p:nvPr/>
+      </p:nvGrpSpPr>
+      <p:grpSpPr>
+        <a:xfrm>
+          <a:off x="0" y="0"/>
+          <a:ext cx="0" cy="0"/>
+          <a:chOff x="0" y="0"/>
+          <a:chExt cx="0" cy="0"/>
+        </a:xfrm>
+      </p:grpSpPr>
+      <p:sp>
+        <p:nvSpPr>
+          <p:cNvPr id="2" name="Title 1"/>
+          <p:cNvSpPr>
+            <a:spLocks noGrp="1"/>
+          </p:cNvSpPr>
+          <p:nvPr>
+            <p:ph type="title"/>
+          </p:nvPr>
+        </p:nvSpPr>
+        <p:spPr/>
+        <p:txBody>
+          <a:bodyPr/>
+          <a:lstStyle/>
+          <a:p>
+            <a:r>
+              <a:rPr lang="en-US" dirty="0" smtClean="0"/>
+              <a:t>Eclipse</a:t>
+            </a:r>
+            <a:endParaRPr lang="en-US" dirty="0"/>
+          </a:p>
+        </p:txBody>
+      </p:sp>
+      <p:pic>
+        <p:nvPicPr>
+          <p:cNvPr id="4" name="Content Placeholder 3" descr="Imported to Eclipse.png"/>
+          <p:cNvPicPr>
+            <a:picLocks noGrp="1" noChangeAspect="1"/>
+          </p:cNvPicPr>
+          <p:nvPr>
+            <p:ph idx="1"/>
+          </p:nvPr>
+        </p:nvPicPr>
+        <p:blipFill>
+          <a:blip r:embed="rId2" cstate="print"/>
+          <a:stretch>
+            <a:fillRect/>
+          </a:stretch>
+        </p:blipFill>
+        <p:spPr>
+          <a:xfrm>
+            <a:off x="3440509" y="1600200"/>
+            <a:ext cx="2262982" cy="4525963"/>
+          </a:xfrm>
+        </p:spPr>
+      </p:pic>
+    </p:spTree>
+  </p:cSld>
+  <p:clrMapOvr>
+    <a:masterClrMapping/>
+  </p:clrMapOvr>
+</p:sld>
+</file>
+
+<file path=ppt/slides/slide27.xml><?xml version="1.0" encoding="utf-8"?>
+<p:sld xmlns:a="http://schemas.openxmlformats.org/drawingml/2006/main" xmlns:r="http://schemas.openxmlformats.org/officeDocument/2006/relationships" xmlns:p="http://schemas.openxmlformats.org/presentationml/2006/main">
+  <p:cSld>
+    <p:spTree>
+      <p:nvGrpSpPr>
+        <p:cNvPr id="1" name=""/>
+        <p:cNvGrpSpPr/>
+        <p:nvPr/>
+      </p:nvGrpSpPr>
+      <p:grpSpPr>
+        <a:xfrm>
+          <a:off x="0" y="0"/>
+          <a:ext cx="0" cy="0"/>
+          <a:chOff x="0" y="0"/>
+          <a:chExt cx="0" cy="0"/>
+        </a:xfrm>
+      </p:grpSpPr>
+      <p:sp>
+        <p:nvSpPr>
+          <p:cNvPr id="2" name="Title 1"/>
+          <p:cNvSpPr>
+            <a:spLocks noGrp="1"/>
+          </p:cNvSpPr>
+          <p:nvPr>
+            <p:ph type="title"/>
+          </p:nvPr>
+        </p:nvSpPr>
+        <p:spPr/>
+        <p:txBody>
+          <a:bodyPr/>
+          <a:lstStyle/>
+          <a:p>
+            <a:r>
+              <a:rPr lang="en-US" dirty="0" smtClean="0"/>
+              <a:t>Tomcat</a:t>
+            </a:r>
+            <a:endParaRPr lang="en-US" dirty="0"/>
+          </a:p>
+        </p:txBody>
+      </p:sp>
+      <p:pic>
+        <p:nvPicPr>
+          <p:cNvPr id="4" name="Content Placeholder 3" descr="Tomcat.png"/>
+          <p:cNvPicPr>
+            <a:picLocks noGrp="1" noChangeAspect="1"/>
+          </p:cNvPicPr>
+          <p:nvPr>
+            <p:ph idx="1"/>
+          </p:nvPr>
+        </p:nvPicPr>
+        <p:blipFill>
+          <a:blip r:embed="rId2" cstate="print"/>
+          <a:stretch>
+            <a:fillRect/>
+          </a:stretch>
+        </p:blipFill>
+        <p:spPr>
+          <a:xfrm>
+            <a:off x="1347787" y="2243931"/>
+            <a:ext cx="6448425" cy="3238500"/>
+          </a:xfrm>
+        </p:spPr>
+      </p:pic>
+    </p:spTree>
+  </p:cSld>
+  <p:clrMapOvr>
+    <a:masterClrMapping/>
+  </p:clrMapOvr>
+</p:sld>
+</file>
+
+<file path=ppt/slides/slide28.xml><?xml version="1.0" encoding="utf-8"?>
+<p:sld xmlns:a="http://schemas.openxmlformats.org/drawingml/2006/main" xmlns:r="http://schemas.openxmlformats.org/officeDocument/2006/relationships" xmlns:p="http://schemas.openxmlformats.org/presentationml/2006/main">
+  <p:cSld>
+    <p:spTree>
+      <p:nvGrpSpPr>
+        <p:cNvPr id="1" name=""/>
+        <p:cNvGrpSpPr/>
+        <p:nvPr/>
+      </p:nvGrpSpPr>
+      <p:grpSpPr>
+        <a:xfrm>
+          <a:off x="0" y="0"/>
+          <a:ext cx="0" cy="0"/>
+          <a:chOff x="0" y="0"/>
+          <a:chExt cx="0" cy="0"/>
+        </a:xfrm>
+      </p:grpSpPr>
+      <p:sp>
+        <p:nvSpPr>
+          <p:cNvPr id="2" name="Title 1"/>
+          <p:cNvSpPr>
+            <a:spLocks noGrp="1"/>
+          </p:cNvSpPr>
+          <p:nvPr>
+            <p:ph type="title"/>
+          </p:nvPr>
+        </p:nvSpPr>
+        <p:spPr/>
+        <p:txBody>
+          <a:bodyPr/>
+          <a:lstStyle/>
+          <a:p>
+            <a:r>
+              <a:rPr lang="en-US" dirty="0" smtClean="0"/>
+              <a:t>Query Runner</a:t>
+            </a:r>
+            <a:endParaRPr lang="en-US" dirty="0"/>
+          </a:p>
+        </p:txBody>
+      </p:sp>
+      <p:pic>
+        <p:nvPicPr>
+          <p:cNvPr id="4" name="Content Placeholder 3" descr="Query Runner.png"/>
+          <p:cNvPicPr>
+            <a:picLocks noGrp="1" noChangeAspect="1"/>
+          </p:cNvPicPr>
+          <p:nvPr>
+            <p:ph idx="1"/>
+          </p:nvPr>
+        </p:nvPicPr>
+        <p:blipFill>
+          <a:blip r:embed="rId2" cstate="print"/>
+          <a:stretch>
+            <a:fillRect/>
+          </a:stretch>
+        </p:blipFill>
+        <p:spPr>
+          <a:xfrm>
+            <a:off x="1774799" y="1600200"/>
+            <a:ext cx="5594402" cy="4525963"/>
+          </a:xfrm>
+        </p:spPr>
+      </p:pic>
     </p:spTree>
   </p:cSld>
   <p:clrMapOvr>
@@ -5010,29 +6090,13 @@
           <a:p>
             <a:r>
               <a:rPr lang="en-US" sz="2400" dirty="0" smtClean="0"/>
-              <a:t>caGrid Data Services </a:t>
-            </a:r>
+              <a:t>caGrid Data Services expose data resources to the Grid</a:t>
+            </a:r>
+          </a:p>
+          <a:p>
             <a:r>
               <a:rPr lang="en-US" sz="2400" dirty="0" smtClean="0"/>
-              <a:t>expose data </a:t>
-            </a:r>
-            <a:r>
-              <a:rPr lang="en-US" sz="2400" dirty="0" smtClean="0"/>
-              <a:t>resources to the Grid</a:t>
-            </a:r>
-          </a:p>
-          <a:p>
-            <a:r>
-              <a:rPr lang="en-US" sz="2400" dirty="0" smtClean="0"/>
-              <a:t>Specialization of </a:t>
-            </a:r>
-            <a:r>
-              <a:rPr lang="en-US" sz="2400" dirty="0" smtClean="0"/>
-              <a:t>standard caGrid </a:t>
-            </a:r>
-            <a:r>
-              <a:rPr lang="en-US" sz="2400" dirty="0" smtClean="0"/>
-              <a:t>grid services to expose data through a common query interface</a:t>
+              <a:t>Specialization of standard caGrid grid services to expose data through a common query interface</a:t>
             </a:r>
           </a:p>
           <a:p>
@@ -5060,28 +6124,15 @@
             </a:r>
             <a:r>
               <a:rPr lang="en-US" sz="2000" dirty="0" smtClean="0"/>
-              <a:t> (cancer Data Standards Repository) </a:t>
-            </a:r>
+              <a:t> (cancer Data Standards Repository) and their XML representation in GME</a:t>
+            </a:r>
+          </a:p>
+          <a:p>
+            <a:pPr lvl="1"/>
             <a:r>
               <a:rPr lang="en-US" sz="2000" dirty="0" smtClean="0"/>
-              <a:t>and their XML representation in GME</a:t>
-            </a:r>
-          </a:p>
-          <a:p>
-            <a:pPr lvl="1"/>
-            <a:r>
-              <a:rPr lang="en-US" sz="2000" dirty="0" smtClean="0"/>
-              <a:t>Data Service Metadata describes </a:t>
-            </a:r>
-            <a:r>
-              <a:rPr lang="en-US" sz="2000" dirty="0" smtClean="0"/>
-              <a:t>objects and relationships in a unified </a:t>
-            </a:r>
-            <a:r>
-              <a:rPr lang="en-US" sz="2000" dirty="0" smtClean="0"/>
-              <a:t>domain model</a:t>
-            </a:r>
-            <a:endParaRPr lang="en-US" sz="2000" dirty="0" smtClean="0"/>
+              <a:t>Data Service Metadata describes objects and relationships in a unified domain model</a:t>
+            </a:r>
           </a:p>
           <a:p>
             <a:pPr lvl="1"/>
@@ -5101,13 +6152,8 @@
           <a:p>
             <a:r>
               <a:rPr lang="en-US" sz="2400" dirty="0" smtClean="0"/>
-              <a:t>Created and managed with an extension to the </a:t>
-            </a:r>
-            <a:r>
-              <a:rPr lang="en-US" sz="2400" dirty="0" smtClean="0"/>
-              <a:t>Introduce Toolkit</a:t>
-            </a:r>
-            <a:endParaRPr lang="en-US" sz="2400" dirty="0" smtClean="0"/>
+              <a:t>Created and managed with an extension to the Introduce Toolkit</a:t>
+            </a:r>
           </a:p>
           <a:p>
             <a:pPr lvl="1"/>
@@ -5350,13 +6396,8 @@
           <a:p>
             <a:r>
               <a:rPr lang="en-US" sz="2000" dirty="0" smtClean="0"/>
-              <a:t>Extendable via data service </a:t>
-            </a:r>
-            <a:r>
-              <a:rPr lang="en-US" sz="2000" dirty="0" smtClean="0"/>
-              <a:t>styles (of which i2b2 is one!)</a:t>
-            </a:r>
-            <a:endParaRPr lang="en-US" sz="2000" dirty="0" smtClean="0"/>
+              <a:t>Extendable via data service styles (of which i2b2 is one!)</a:t>
+            </a:r>
           </a:p>
           <a:p>
             <a:pPr lvl="1"/>
@@ -5503,38 +6544,21 @@
             <a:pPr lvl="1" eaLnBrk="1" hangingPunct="1"/>
             <a:r>
               <a:rPr lang="en-US" sz="2000" dirty="0" smtClean="0"/>
-              <a:t>Allows object - association </a:t>
-            </a:r>
+              <a:t>Allows object - association path navigation</a:t>
+            </a:r>
+          </a:p>
+          <a:p>
+            <a:pPr lvl="1" eaLnBrk="1" hangingPunct="1"/>
             <a:r>
               <a:rPr lang="en-US" sz="2000" dirty="0" smtClean="0"/>
-              <a:t>path navigation</a:t>
+              <a:t>Provides logical grouping (AND / OR)</a:t>
             </a:r>
           </a:p>
           <a:p>
             <a:pPr lvl="1" eaLnBrk="1" hangingPunct="1"/>
             <a:r>
               <a:rPr lang="en-US" sz="2000" dirty="0" smtClean="0"/>
-              <a:t>Provides logical </a:t>
-            </a:r>
-            <a:r>
-              <a:rPr lang="en-US" sz="2000" dirty="0" smtClean="0"/>
-              <a:t>grouping (AND / OR)</a:t>
-            </a:r>
-            <a:endParaRPr lang="en-US" sz="2000" dirty="0" smtClean="0"/>
-          </a:p>
-          <a:p>
-            <a:pPr lvl="1" eaLnBrk="1" hangingPunct="1"/>
-            <a:r>
-              <a:rPr lang="en-US" sz="2000" dirty="0" smtClean="0"/>
-              <a:t>Provides name/predicate/value filtering on </a:t>
-            </a:r>
-            <a:r>
-              <a:rPr lang="en-US" sz="2000" dirty="0" smtClean="0"/>
-              <a:t>attributes of </a:t>
-            </a:r>
-            <a:r>
-              <a:rPr lang="en-US" sz="2000" dirty="0" smtClean="0"/>
-              <a:t>objects</a:t>
+              <a:t>Provides name/predicate/value filtering on attributes of objects</a:t>
             </a:r>
           </a:p>
           <a:p>
@@ -5548,11 +6572,7 @@
             <a:pPr eaLnBrk="1" hangingPunct="1"/>
             <a:r>
               <a:rPr lang="en-US" sz="2400" dirty="0" smtClean="0"/>
-              <a:t>Ability to return full Objects, Set of attributes, count of results, or distinct attribute </a:t>
-            </a:r>
-            <a:r>
-              <a:rPr lang="en-US" sz="2400" dirty="0" smtClean="0"/>
-              <a:t>values</a:t>
+              <a:t>Ability to return full Objects, Set of attributes, count of results, or distinct attribute values</a:t>
             </a:r>
             <a:endParaRPr lang="en-US" sz="2800" dirty="0" smtClean="0"/>
           </a:p>

--- a/grid-incubation/incubator/projects/i2b2DataServiceStyle/slides/Beta Demo.pptx
+++ b/grid-incubation/incubator/projects/i2b2DataServiceStyle/slides/Beta Demo.pptx
@@ -5,7 +5,7 @@
     <p:sldMasterId id="2147483648" r:id="rId1"/>
   </p:sldMasterIdLst>
   <p:notesMasterIdLst>
-    <p:notesMasterId r:id="rId30"/>
+    <p:notesMasterId r:id="rId31"/>
   </p:notesMasterIdLst>
   <p:sldIdLst>
     <p:sldId id="256" r:id="rId2"/>
@@ -21,21 +21,22 @@
     <p:sldId id="266" r:id="rId12"/>
     <p:sldId id="267" r:id="rId13"/>
     <p:sldId id="268" r:id="rId14"/>
-    <p:sldId id="269" r:id="rId15"/>
-    <p:sldId id="270" r:id="rId16"/>
-    <p:sldId id="271" r:id="rId17"/>
-    <p:sldId id="272" r:id="rId18"/>
-    <p:sldId id="273" r:id="rId19"/>
-    <p:sldId id="274" r:id="rId20"/>
-    <p:sldId id="275" r:id="rId21"/>
-    <p:sldId id="276" r:id="rId22"/>
-    <p:sldId id="277" r:id="rId23"/>
-    <p:sldId id="278" r:id="rId24"/>
-    <p:sldId id="279" r:id="rId25"/>
-    <p:sldId id="280" r:id="rId26"/>
-    <p:sldId id="281" r:id="rId27"/>
-    <p:sldId id="282" r:id="rId28"/>
-    <p:sldId id="283" r:id="rId29"/>
+    <p:sldId id="284" r:id="rId15"/>
+    <p:sldId id="269" r:id="rId16"/>
+    <p:sldId id="270" r:id="rId17"/>
+    <p:sldId id="271" r:id="rId18"/>
+    <p:sldId id="272" r:id="rId19"/>
+    <p:sldId id="273" r:id="rId20"/>
+    <p:sldId id="274" r:id="rId21"/>
+    <p:sldId id="275" r:id="rId22"/>
+    <p:sldId id="276" r:id="rId23"/>
+    <p:sldId id="277" r:id="rId24"/>
+    <p:sldId id="278" r:id="rId25"/>
+    <p:sldId id="279" r:id="rId26"/>
+    <p:sldId id="280" r:id="rId27"/>
+    <p:sldId id="281" r:id="rId28"/>
+    <p:sldId id="282" r:id="rId29"/>
+    <p:sldId id="283" r:id="rId30"/>
   </p:sldIdLst>
   <p:sldSz cx="9144000" cy="6858000" type="screen4x3"/>
   <p:notesSz cx="6858000" cy="9144000"/>
@@ -220,7 +221,7 @@
             <a:fld id="{C0D40754-2154-49F1-969A-E7612107163E}" type="datetimeFigureOut">
               <a:rPr lang="en-US" smtClean="0"/>
               <a:pPr/>
-              <a:t>8/17/2009</a:t>
+              <a:t>8/19/2009</a:t>
             </a:fld>
             <a:endParaRPr lang="en-US"/>
           </a:p>
@@ -1058,7 +1059,7 @@
             <a:fld id="{B41D0191-C5CA-4D2B-9C7A-5B078FCABB95}" type="datetimeFigureOut">
               <a:rPr lang="en-US" smtClean="0"/>
               <a:pPr/>
-              <a:t>8/17/2009</a:t>
+              <a:t>8/19/2009</a:t>
             </a:fld>
             <a:endParaRPr lang="en-US"/>
           </a:p>
@@ -1225,7 +1226,7 @@
             <a:fld id="{B41D0191-C5CA-4D2B-9C7A-5B078FCABB95}" type="datetimeFigureOut">
               <a:rPr lang="en-US" smtClean="0"/>
               <a:pPr/>
-              <a:t>8/17/2009</a:t>
+              <a:t>8/19/2009</a:t>
             </a:fld>
             <a:endParaRPr lang="en-US"/>
           </a:p>
@@ -1402,7 +1403,7 @@
             <a:fld id="{B41D0191-C5CA-4D2B-9C7A-5B078FCABB95}" type="datetimeFigureOut">
               <a:rPr lang="en-US" smtClean="0"/>
               <a:pPr/>
-              <a:t>8/17/2009</a:t>
+              <a:t>8/19/2009</a:t>
             </a:fld>
             <a:endParaRPr lang="en-US"/>
           </a:p>
@@ -1569,7 +1570,7 @@
             <a:fld id="{B41D0191-C5CA-4D2B-9C7A-5B078FCABB95}" type="datetimeFigureOut">
               <a:rPr lang="en-US" smtClean="0"/>
               <a:pPr/>
-              <a:t>8/17/2009</a:t>
+              <a:t>8/19/2009</a:t>
             </a:fld>
             <a:endParaRPr lang="en-US"/>
           </a:p>
@@ -1812,7 +1813,7 @@
             <a:fld id="{B41D0191-C5CA-4D2B-9C7A-5B078FCABB95}" type="datetimeFigureOut">
               <a:rPr lang="en-US" smtClean="0"/>
               <a:pPr/>
-              <a:t>8/17/2009</a:t>
+              <a:t>8/19/2009</a:t>
             </a:fld>
             <a:endParaRPr lang="en-US"/>
           </a:p>
@@ -2097,7 +2098,7 @@
             <a:fld id="{B41D0191-C5CA-4D2B-9C7A-5B078FCABB95}" type="datetimeFigureOut">
               <a:rPr lang="en-US" smtClean="0"/>
               <a:pPr/>
-              <a:t>8/17/2009</a:t>
+              <a:t>8/19/2009</a:t>
             </a:fld>
             <a:endParaRPr lang="en-US"/>
           </a:p>
@@ -2516,7 +2517,7 @@
             <a:fld id="{B41D0191-C5CA-4D2B-9C7A-5B078FCABB95}" type="datetimeFigureOut">
               <a:rPr lang="en-US" smtClean="0"/>
               <a:pPr/>
-              <a:t>8/17/2009</a:t>
+              <a:t>8/19/2009</a:t>
             </a:fld>
             <a:endParaRPr lang="en-US"/>
           </a:p>
@@ -2631,7 +2632,7 @@
             <a:fld id="{B41D0191-C5CA-4D2B-9C7A-5B078FCABB95}" type="datetimeFigureOut">
               <a:rPr lang="en-US" smtClean="0"/>
               <a:pPr/>
-              <a:t>8/17/2009</a:t>
+              <a:t>8/19/2009</a:t>
             </a:fld>
             <a:endParaRPr lang="en-US"/>
           </a:p>
@@ -2723,7 +2724,7 @@
             <a:fld id="{B41D0191-C5CA-4D2B-9C7A-5B078FCABB95}" type="datetimeFigureOut">
               <a:rPr lang="en-US" smtClean="0"/>
               <a:pPr/>
-              <a:t>8/17/2009</a:t>
+              <a:t>8/19/2009</a:t>
             </a:fld>
             <a:endParaRPr lang="en-US"/>
           </a:p>
@@ -2997,7 +2998,7 @@
             <a:fld id="{B41D0191-C5CA-4D2B-9C7A-5B078FCABB95}" type="datetimeFigureOut">
               <a:rPr lang="en-US" smtClean="0"/>
               <a:pPr/>
-              <a:t>8/17/2009</a:t>
+              <a:t>8/19/2009</a:t>
             </a:fld>
             <a:endParaRPr lang="en-US"/>
           </a:p>
@@ -3247,7 +3248,7 @@
             <a:fld id="{B41D0191-C5CA-4D2B-9C7A-5B078FCABB95}" type="datetimeFigureOut">
               <a:rPr lang="en-US" smtClean="0"/>
               <a:pPr/>
-              <a:t>8/17/2009</a:t>
+              <a:t>8/19/2009</a:t>
             </a:fld>
             <a:endParaRPr lang="en-US"/>
           </a:p>
@@ -3457,7 +3458,7 @@
             <a:fld id="{B41D0191-C5CA-4D2B-9C7A-5B078FCABB95}" type="datetimeFigureOut">
               <a:rPr lang="en-US" smtClean="0"/>
               <a:pPr/>
-              <a:t>8/17/2009</a:t>
+              <a:t>8/19/2009</a:t>
             </a:fld>
             <a:endParaRPr lang="en-US"/>
           </a:p>
@@ -3953,7 +3954,32 @@
           <a:p>
             <a:r>
               <a:rPr lang="en-US" sz="2400" dirty="0" smtClean="0"/>
-              <a:t>Start Introduce Toolkit</a:t>
+              <a:t>Prerequisites:</a:t>
+            </a:r>
+          </a:p>
+          <a:p>
+            <a:pPr lvl="1"/>
+            <a:r>
+              <a:rPr lang="en-US" sz="2000" dirty="0" smtClean="0"/>
+              <a:t>caGrid Installed, Tomcat installed, </a:t>
+            </a:r>
+            <a:r>
+              <a:rPr lang="en-US" sz="2000" dirty="0" err="1" smtClean="0"/>
+              <a:t>Globus</a:t>
+            </a:r>
+            <a:r>
+              <a:rPr lang="en-US" sz="2000" dirty="0" smtClean="0"/>
+              <a:t> deployed, i2b2 data service style installed to Introduce</a:t>
+            </a:r>
+          </a:p>
+          <a:p>
+            <a:r>
+              <a:rPr lang="en-US" sz="2400" dirty="0" smtClean="0"/>
+              <a:t>Start </a:t>
+            </a:r>
+            <a:r>
+              <a:rPr lang="en-US" sz="2400" dirty="0" smtClean="0"/>
+              <a:t>Introduce Toolkit</a:t>
             </a:r>
           </a:p>
           <a:p>
@@ -3966,8 +3992,13 @@
             <a:pPr lvl="1"/>
             <a:r>
               <a:rPr lang="en-US" sz="2000" dirty="0" smtClean="0"/>
-              <a:t>Name, package, directory.</a:t>
-            </a:r>
+              <a:t>Name, package, </a:t>
+            </a:r>
+            <a:r>
+              <a:rPr lang="en-US" sz="2000" dirty="0" smtClean="0"/>
+              <a:t>directory</a:t>
+            </a:r>
+            <a:endParaRPr lang="en-US" sz="2000" dirty="0" smtClean="0"/>
           </a:p>
           <a:p>
             <a:pPr lvl="1"/>
@@ -4093,7 +4124,7 @@
           </a:p>
           <a:p>
             <a:r>
-              <a:rPr lang="en-US" sz="2400" dirty="0" smtClean="0"/>
+              <a:rPr lang="en-US" sz="2400" i="1" dirty="0" smtClean="0"/>
               <a:t>Service is ready to be used</a:t>
             </a:r>
           </a:p>
@@ -4339,48 +4370,6 @@
           <a:chExt cx="0" cy="0"/>
         </a:xfrm>
       </p:grpSpPr>
-      <p:sp>
-        <p:nvSpPr>
-          <p:cNvPr id="2" name="Title 1"/>
-          <p:cNvSpPr>
-            <a:spLocks noGrp="1"/>
-          </p:cNvSpPr>
-          <p:nvPr>
-            <p:ph type="title"/>
-          </p:nvPr>
-        </p:nvSpPr>
-        <p:spPr/>
-        <p:txBody>
-          <a:bodyPr/>
-          <a:lstStyle/>
-          <a:p>
-            <a:r>
-              <a:rPr lang="en-US" dirty="0" smtClean="0"/>
-              <a:t>Backup Slides</a:t>
-            </a:r>
-            <a:endParaRPr lang="en-US" dirty="0"/>
-          </a:p>
-        </p:txBody>
-      </p:sp>
-      <p:sp>
-        <p:nvSpPr>
-          <p:cNvPr id="3" name="Content Placeholder 2"/>
-          <p:cNvSpPr>
-            <a:spLocks noGrp="1"/>
-          </p:cNvSpPr>
-          <p:nvPr>
-            <p:ph idx="1"/>
-          </p:nvPr>
-        </p:nvSpPr>
-        <p:spPr/>
-        <p:txBody>
-          <a:bodyPr/>
-          <a:lstStyle/>
-          <a:p>
-            <a:endParaRPr lang="en-US" dirty="0"/>
-          </a:p>
-        </p:txBody>
-      </p:sp>
     </p:spTree>
   </p:cSld>
   <p:clrMapOvr>
@@ -4423,35 +4412,31 @@
           <a:p>
             <a:r>
               <a:rPr lang="en-US" dirty="0" smtClean="0"/>
-              <a:t>Creating Data Service</a:t>
+              <a:t>Backup Slides</a:t>
             </a:r>
             <a:endParaRPr lang="en-US" dirty="0"/>
           </a:p>
         </p:txBody>
       </p:sp>
-      <p:pic>
-        <p:nvPicPr>
-          <p:cNvPr id="4" name="Content Placeholder 3" descr="Create.png"/>
-          <p:cNvPicPr>
-            <a:picLocks noGrp="1" noChangeAspect="1"/>
-          </p:cNvPicPr>
+      <p:sp>
+        <p:nvSpPr>
+          <p:cNvPr id="3" name="Content Placeholder 2"/>
+          <p:cNvSpPr>
+            <a:spLocks noGrp="1"/>
+          </p:cNvSpPr>
           <p:nvPr>
             <p:ph idx="1"/>
           </p:nvPr>
-        </p:nvPicPr>
-        <p:blipFill>
-          <a:blip r:embed="rId2" cstate="print"/>
-          <a:stretch>
-            <a:fillRect/>
-          </a:stretch>
-        </p:blipFill>
-        <p:spPr>
-          <a:xfrm>
-            <a:off x="1786433" y="1600200"/>
-            <a:ext cx="5571134" cy="4525963"/>
-          </a:xfrm>
-        </p:spPr>
-      </p:pic>
+        </p:nvSpPr>
+        <p:spPr/>
+        <p:txBody>
+          <a:bodyPr/>
+          <a:lstStyle/>
+          <a:p>
+            <a:endParaRPr lang="en-US" dirty="0"/>
+          </a:p>
+        </p:txBody>
+      </p:sp>
     </p:spTree>
   </p:cSld>
   <p:clrMapOvr>
@@ -4494,7 +4479,7 @@
           <a:p>
             <a:r>
               <a:rPr lang="en-US" dirty="0" smtClean="0"/>
-              <a:t>Data Service Style</a:t>
+              <a:t>Creating Data Service</a:t>
             </a:r>
             <a:endParaRPr lang="en-US" dirty="0"/>
           </a:p>
@@ -4502,7 +4487,7 @@
       </p:sp>
       <p:pic>
         <p:nvPicPr>
-          <p:cNvPr id="4" name="Content Placeholder 3" descr="Style.png"/>
+          <p:cNvPr id="4" name="Content Placeholder 3" descr="Create.png"/>
           <p:cNvPicPr>
             <a:picLocks noGrp="1" noChangeAspect="1"/>
           </p:cNvPicPr>
@@ -4518,8 +4503,8 @@
         </p:blipFill>
         <p:spPr>
           <a:xfrm>
-            <a:off x="2190750" y="2434431"/>
-            <a:ext cx="4762500" cy="2857500"/>
+            <a:off x="1786433" y="1600200"/>
+            <a:ext cx="5571134" cy="4525963"/>
           </a:xfrm>
         </p:spPr>
       </p:pic>
@@ -4560,14 +4545,12 @@
         </p:nvSpPr>
         <p:spPr/>
         <p:txBody>
-          <a:bodyPr>
-            <a:normAutofit/>
-          </a:bodyPr>
+          <a:bodyPr/>
           <a:lstStyle/>
           <a:p>
             <a:r>
               <a:rPr lang="en-US" dirty="0" smtClean="0"/>
-              <a:t>Wizard</a:t>
+              <a:t>Data Service Style</a:t>
             </a:r>
             <a:endParaRPr lang="en-US" dirty="0"/>
           </a:p>
@@ -4575,7 +4558,7 @@
       </p:sp>
       <p:pic>
         <p:nvPicPr>
-          <p:cNvPr id="4" name="Content Placeholder 3" descr="Wizard 1.png"/>
+          <p:cNvPr id="4" name="Content Placeholder 3" descr="Style.png"/>
           <p:cNvPicPr>
             <a:picLocks noGrp="1" noChangeAspect="1"/>
           </p:cNvPicPr>
@@ -4591,8 +4574,8 @@
         </p:blipFill>
         <p:spPr>
           <a:xfrm>
-            <a:off x="1535714" y="1600200"/>
-            <a:ext cx="6072571" cy="4525963"/>
+            <a:off x="2190750" y="2434431"/>
+            <a:ext cx="4762500" cy="2857500"/>
           </a:xfrm>
         </p:spPr>
       </p:pic>
@@ -4633,7 +4616,9 @@
         </p:nvSpPr>
         <p:spPr/>
         <p:txBody>
-          <a:bodyPr/>
+          <a:bodyPr>
+            <a:normAutofit/>
+          </a:bodyPr>
           <a:lstStyle/>
           <a:p>
             <a:r>
@@ -4646,7 +4631,7 @@
       </p:sp>
       <p:pic>
         <p:nvPicPr>
-          <p:cNvPr id="4" name="Content Placeholder 3" descr="Wizard 2.png"/>
+          <p:cNvPr id="4" name="Content Placeholder 3" descr="Wizard 1.png"/>
           <p:cNvPicPr>
             <a:picLocks noGrp="1" noChangeAspect="1"/>
           </p:cNvPicPr>
@@ -4717,7 +4702,7 @@
       </p:sp>
       <p:pic>
         <p:nvPicPr>
-          <p:cNvPr id="4" name="Content Placeholder 3" descr="Wizard 3.png"/>
+          <p:cNvPr id="4" name="Content Placeholder 3" descr="Wizard 2.png"/>
           <p:cNvPicPr>
             <a:picLocks noGrp="1" noChangeAspect="1"/>
           </p:cNvPicPr>
@@ -4945,7 +4930,7 @@
       </p:sp>
       <p:pic>
         <p:nvPicPr>
-          <p:cNvPr id="4" name="Content Placeholder 3" descr="Wizard 4.png"/>
+          <p:cNvPr id="4" name="Content Placeholder 3" descr="Wizard 3.png"/>
           <p:cNvPicPr>
             <a:picLocks noGrp="1" noChangeAspect="1"/>
           </p:cNvPicPr>
@@ -5016,7 +5001,7 @@
       </p:sp>
       <p:pic>
         <p:nvPicPr>
-          <p:cNvPr id="4" name="Content Placeholder 3" descr="Wizard 5 a.png"/>
+          <p:cNvPr id="4" name="Content Placeholder 3" descr="Wizard 4.png"/>
           <p:cNvPicPr>
             <a:picLocks noGrp="1" noChangeAspect="1"/>
           </p:cNvPicPr>
@@ -5032,8 +5017,8 @@
         </p:blipFill>
         <p:spPr>
           <a:xfrm>
-            <a:off x="1856422" y="1600200"/>
-            <a:ext cx="5431156" cy="4525963"/>
+            <a:off x="1535714" y="1600200"/>
+            <a:ext cx="6072571" cy="4525963"/>
           </a:xfrm>
         </p:spPr>
       </p:pic>
@@ -5087,7 +5072,7 @@
       </p:sp>
       <p:pic>
         <p:nvPicPr>
-          <p:cNvPr id="4" name="Content Placeholder 3" descr="Wizard 5.png"/>
+          <p:cNvPr id="4" name="Content Placeholder 3" descr="Wizard 5 a.png"/>
           <p:cNvPicPr>
             <a:picLocks noGrp="1" noChangeAspect="1"/>
           </p:cNvPicPr>
@@ -5103,8 +5088,8 @@
         </p:blipFill>
         <p:spPr>
           <a:xfrm>
-            <a:off x="1535714" y="1600200"/>
-            <a:ext cx="6072571" cy="4525963"/>
+            <a:off x="1856422" y="1600200"/>
+            <a:ext cx="5431156" cy="4525963"/>
           </a:xfrm>
         </p:spPr>
       </p:pic>
@@ -5150,7 +5135,7 @@
           <a:p>
             <a:r>
               <a:rPr lang="en-US" dirty="0" smtClean="0"/>
-              <a:t>Types</a:t>
+              <a:t>Wizard</a:t>
             </a:r>
             <a:endParaRPr lang="en-US" dirty="0"/>
           </a:p>
@@ -5158,7 +5143,7 @@
       </p:sp>
       <p:pic>
         <p:nvPicPr>
-          <p:cNvPr id="4" name="Content Placeholder 3" descr="Types.png"/>
+          <p:cNvPr id="4" name="Content Placeholder 3" descr="Wizard 5.png"/>
           <p:cNvPicPr>
             <a:picLocks noGrp="1" noChangeAspect="1"/>
           </p:cNvPicPr>
@@ -5174,8 +5159,8 @@
         </p:blipFill>
         <p:spPr>
           <a:xfrm>
-            <a:off x="1554691" y="1600200"/>
-            <a:ext cx="6034617" cy="4525963"/>
+            <a:off x="1535714" y="1600200"/>
+            <a:ext cx="6072571" cy="4525963"/>
           </a:xfrm>
         </p:spPr>
       </p:pic>
@@ -5221,7 +5206,7 @@
           <a:p>
             <a:r>
               <a:rPr lang="en-US" dirty="0" smtClean="0"/>
-              <a:t>Operations</a:t>
+              <a:t>Types</a:t>
             </a:r>
             <a:endParaRPr lang="en-US" dirty="0"/>
           </a:p>
@@ -5229,7 +5214,7 @@
       </p:sp>
       <p:pic>
         <p:nvPicPr>
-          <p:cNvPr id="4" name="Content Placeholder 3" descr="Operations.png"/>
+          <p:cNvPr id="4" name="Content Placeholder 3" descr="Types.png"/>
           <p:cNvPicPr>
             <a:picLocks noGrp="1" noChangeAspect="1"/>
           </p:cNvPicPr>
@@ -5292,7 +5277,7 @@
           <a:p>
             <a:r>
               <a:rPr lang="en-US" dirty="0" smtClean="0"/>
-              <a:t>Query Processor</a:t>
+              <a:t>Operations</a:t>
             </a:r>
             <a:endParaRPr lang="en-US" dirty="0"/>
           </a:p>
@@ -5300,7 +5285,7 @@
       </p:sp>
       <p:pic>
         <p:nvPicPr>
-          <p:cNvPr id="4" name="Content Placeholder 3" descr="Query Processor.png"/>
+          <p:cNvPr id="4" name="Content Placeholder 3" descr="Operations.png"/>
           <p:cNvPicPr>
             <a:picLocks noGrp="1" noChangeAspect="1"/>
           </p:cNvPicPr>
@@ -5363,7 +5348,7 @@
           <a:p>
             <a:r>
               <a:rPr lang="en-US" dirty="0" smtClean="0"/>
-              <a:t>Eclipse</a:t>
+              <a:t>Query Processor</a:t>
             </a:r>
             <a:endParaRPr lang="en-US" dirty="0"/>
           </a:p>
@@ -5371,7 +5356,7 @@
       </p:sp>
       <p:pic>
         <p:nvPicPr>
-          <p:cNvPr id="4" name="Content Placeholder 3" descr="Imported to Eclipse.png"/>
+          <p:cNvPr id="4" name="Content Placeholder 3" descr="Query Processor.png"/>
           <p:cNvPicPr>
             <a:picLocks noGrp="1" noChangeAspect="1"/>
           </p:cNvPicPr>
@@ -5387,8 +5372,8 @@
         </p:blipFill>
         <p:spPr>
           <a:xfrm>
-            <a:off x="3440509" y="1600200"/>
-            <a:ext cx="2262982" cy="4525963"/>
+            <a:off x="1554691" y="1600200"/>
+            <a:ext cx="6034617" cy="4525963"/>
           </a:xfrm>
         </p:spPr>
       </p:pic>
@@ -5434,6 +5419,77 @@
           <a:p>
             <a:r>
               <a:rPr lang="en-US" dirty="0" smtClean="0"/>
+              <a:t>Eclipse</a:t>
+            </a:r>
+            <a:endParaRPr lang="en-US" dirty="0"/>
+          </a:p>
+        </p:txBody>
+      </p:sp>
+      <p:pic>
+        <p:nvPicPr>
+          <p:cNvPr id="4" name="Content Placeholder 3" descr="Imported to Eclipse.png"/>
+          <p:cNvPicPr>
+            <a:picLocks noGrp="1" noChangeAspect="1"/>
+          </p:cNvPicPr>
+          <p:nvPr>
+            <p:ph idx="1"/>
+          </p:nvPr>
+        </p:nvPicPr>
+        <p:blipFill>
+          <a:blip r:embed="rId2" cstate="print"/>
+          <a:stretch>
+            <a:fillRect/>
+          </a:stretch>
+        </p:blipFill>
+        <p:spPr>
+          <a:xfrm>
+            <a:off x="3440509" y="1600200"/>
+            <a:ext cx="2262982" cy="4525963"/>
+          </a:xfrm>
+        </p:spPr>
+      </p:pic>
+    </p:spTree>
+  </p:cSld>
+  <p:clrMapOvr>
+    <a:masterClrMapping/>
+  </p:clrMapOvr>
+</p:sld>
+</file>
+
+<file path=ppt/slides/slide28.xml><?xml version="1.0" encoding="utf-8"?>
+<p:sld xmlns:a="http://schemas.openxmlformats.org/drawingml/2006/main" xmlns:r="http://schemas.openxmlformats.org/officeDocument/2006/relationships" xmlns:p="http://schemas.openxmlformats.org/presentationml/2006/main">
+  <p:cSld>
+    <p:spTree>
+      <p:nvGrpSpPr>
+        <p:cNvPr id="1" name=""/>
+        <p:cNvGrpSpPr/>
+        <p:nvPr/>
+      </p:nvGrpSpPr>
+      <p:grpSpPr>
+        <a:xfrm>
+          <a:off x="0" y="0"/>
+          <a:ext cx="0" cy="0"/>
+          <a:chOff x="0" y="0"/>
+          <a:chExt cx="0" cy="0"/>
+        </a:xfrm>
+      </p:grpSpPr>
+      <p:sp>
+        <p:nvSpPr>
+          <p:cNvPr id="2" name="Title 1"/>
+          <p:cNvSpPr>
+            <a:spLocks noGrp="1"/>
+          </p:cNvSpPr>
+          <p:nvPr>
+            <p:ph type="title"/>
+          </p:nvPr>
+        </p:nvSpPr>
+        <p:spPr/>
+        <p:txBody>
+          <a:bodyPr/>
+          <a:lstStyle/>
+          <a:p>
+            <a:r>
+              <a:rPr lang="en-US" dirty="0" smtClean="0"/>
               <a:t>Tomcat</a:t>
             </a:r>
             <a:endParaRPr lang="en-US" dirty="0"/>
@@ -5471,7 +5527,7 @@
 </p:sld>
 </file>
 
-<file path=ppt/slides/slide28.xml><?xml version="1.0" encoding="utf-8"?>
+<file path=ppt/slides/slide29.xml><?xml version="1.0" encoding="utf-8"?>
 <p:sld xmlns:a="http://schemas.openxmlformats.org/drawingml/2006/main" xmlns:r="http://schemas.openxmlformats.org/officeDocument/2006/relationships" xmlns:p="http://schemas.openxmlformats.org/presentationml/2006/main">
   <p:cSld>
     <p:spTree>
@@ -6357,11 +6413,13 @@
           </a:xfrm>
         </p:spPr>
         <p:txBody>
-          <a:bodyPr/>
-          <a:lstStyle/>
-          <a:p>
-            <a:r>
-              <a:rPr lang="en-US" sz="2000" dirty="0" smtClean="0"/>
+          <a:bodyPr>
+            <a:normAutofit lnSpcReduction="10000"/>
+          </a:bodyPr>
+          <a:lstStyle/>
+          <a:p>
+            <a:r>
+              <a:rPr lang="en-US" sz="2400" dirty="0" smtClean="0"/>
               <a:t>Data Service Extension to Introduce</a:t>
             </a:r>
           </a:p>
@@ -6395,7 +6453,7 @@
           </a:p>
           <a:p>
             <a:r>
-              <a:rPr lang="en-US" sz="2000" dirty="0" smtClean="0"/>
+              <a:rPr lang="en-US" sz="2400" dirty="0" smtClean="0"/>
               <a:t>Extendable via data service styles (of which i2b2 is one!)</a:t>
             </a:r>
           </a:p>
@@ -6565,8 +6623,20 @@
             <a:pPr eaLnBrk="1" hangingPunct="1"/>
             <a:r>
               <a:rPr lang="en-US" sz="2400" dirty="0" smtClean="0"/>
-              <a:t>Recursively defined</a:t>
-            </a:r>
+              <a:t>Recursively </a:t>
+            </a:r>
+            <a:r>
+              <a:rPr lang="en-US" sz="2400" dirty="0" smtClean="0"/>
+              <a:t>defined</a:t>
+            </a:r>
+          </a:p>
+          <a:p>
+            <a:pPr lvl="1"/>
+            <a:r>
+              <a:rPr lang="en-US" sz="2000" dirty="0" smtClean="0"/>
+              <a:t>Arbitrary association path length with repeating XML elements</a:t>
+            </a:r>
+            <a:endParaRPr lang="en-US" sz="2000" dirty="0" smtClean="0"/>
           </a:p>
           <a:p>
             <a:pPr eaLnBrk="1" hangingPunct="1"/>
@@ -6718,8 +6788,29 @@
             <a:pPr lvl="2"/>
             <a:r>
               <a:rPr lang="en-US" sz="2000" dirty="0" smtClean="0"/>
-              <a:t>Passed by other means over SOAP interface</a:t>
-            </a:r>
+              <a:t>Passed by other means over SOAP </a:t>
+            </a:r>
+            <a:r>
+              <a:rPr lang="en-US" sz="2000" dirty="0" smtClean="0"/>
+              <a:t>interface (</a:t>
+            </a:r>
+            <a:r>
+              <a:rPr lang="en-US" sz="2000" dirty="0" err="1" smtClean="0"/>
+              <a:t>soapUI</a:t>
+            </a:r>
+            <a:r>
+              <a:rPr lang="en-US" sz="2000" dirty="0" smtClean="0"/>
+              <a:t> tool, </a:t>
+            </a:r>
+            <a:r>
+              <a:rPr lang="en-US" sz="2000" dirty="0" err="1" smtClean="0"/>
+              <a:t>perl</a:t>
+            </a:r>
+            <a:r>
+              <a:rPr lang="en-US" sz="2000" dirty="0" smtClean="0"/>
+              <a:t>, python, .NET, etc).</a:t>
+            </a:r>
+            <a:endParaRPr lang="en-US" sz="2000" dirty="0" smtClean="0"/>
           </a:p>
         </p:txBody>
       </p:sp>
